--- a/TASK-draft.pptx
+++ b/TASK-draft.pptx
@@ -5,7 +5,7 @@
     <p:sldMasterId id="2147483660" r:id="rId1"/>
   </p:sldMasterIdLst>
   <p:notesMasterIdLst>
-    <p:notesMasterId r:id="rId17"/>
+    <p:notesMasterId r:id="rId19"/>
   </p:notesMasterIdLst>
   <p:sldIdLst>
     <p:sldId id="256" r:id="rId2"/>
@@ -20,9 +20,11 @@
     <p:sldId id="260" r:id="rId11"/>
     <p:sldId id="264" r:id="rId12"/>
     <p:sldId id="265" r:id="rId13"/>
-    <p:sldId id="266" r:id="rId14"/>
-    <p:sldId id="257" r:id="rId15"/>
-    <p:sldId id="261" r:id="rId16"/>
+    <p:sldId id="272" r:id="rId14"/>
+    <p:sldId id="273" r:id="rId15"/>
+    <p:sldId id="266" r:id="rId16"/>
+    <p:sldId id="257" r:id="rId17"/>
+    <p:sldId id="261" r:id="rId18"/>
   </p:sldIdLst>
   <p:sldSz cx="12192000" cy="6858000"/>
   <p:notesSz cx="6858000" cy="9144000"/>
@@ -138,6 +140,8 @@
             <p14:sldId id="260"/>
             <p14:sldId id="264"/>
             <p14:sldId id="265"/>
+            <p14:sldId id="272"/>
+            <p14:sldId id="273"/>
             <p14:sldId id="266"/>
             <p14:sldId id="257"/>
             <p14:sldId id="261"/>
@@ -234,7 +238,7 @@
           <a:p>
             <a:fld id="{71CFBE77-2E7D-4C3E-9E7A-4A9293F0D39C}" type="datetimeFigureOut">
               <a:rPr lang="en-US" smtClean="0"/>
-              <a:t>6/15/2016</a:t>
+              <a:t>6/22/2016</a:t>
             </a:fld>
             <a:endParaRPr lang="en-US"/>
           </a:p>
@@ -1308,7 +1312,7 @@
           <a:p>
             <a:fld id="{18BAD1EB-C21F-4DEF-9E24-AE9F2424B1D6}" type="datetimeFigureOut">
               <a:rPr lang="en-US" smtClean="0"/>
-              <a:t>6/15/2016</a:t>
+              <a:t>6/22/2016</a:t>
             </a:fld>
             <a:endParaRPr lang="en-US"/>
           </a:p>
@@ -1559,7 +1563,7 @@
           <a:p>
             <a:fld id="{18BAD1EB-C21F-4DEF-9E24-AE9F2424B1D6}" type="datetimeFigureOut">
               <a:rPr lang="en-US" smtClean="0"/>
-              <a:t>6/15/2016</a:t>
+              <a:t>6/22/2016</a:t>
             </a:fld>
             <a:endParaRPr lang="en-US"/>
           </a:p>
@@ -1873,7 +1877,7 @@
           <a:p>
             <a:fld id="{18BAD1EB-C21F-4DEF-9E24-AE9F2424B1D6}" type="datetimeFigureOut">
               <a:rPr lang="en-US" smtClean="0"/>
-              <a:t>6/15/2016</a:t>
+              <a:t>6/22/2016</a:t>
             </a:fld>
             <a:endParaRPr lang="en-US"/>
           </a:p>
@@ -2214,7 +2218,7 @@
           <a:p>
             <a:fld id="{18BAD1EB-C21F-4DEF-9E24-AE9F2424B1D6}" type="datetimeFigureOut">
               <a:rPr lang="en-US" smtClean="0"/>
-              <a:t>6/15/2016</a:t>
+              <a:t>6/22/2016</a:t>
             </a:fld>
             <a:endParaRPr lang="en-US"/>
           </a:p>
@@ -2528,7 +2532,7 @@
           <a:p>
             <a:fld id="{18BAD1EB-C21F-4DEF-9E24-AE9F2424B1D6}" type="datetimeFigureOut">
               <a:rPr lang="en-US" smtClean="0"/>
-              <a:t>6/15/2016</a:t>
+              <a:t>6/22/2016</a:t>
             </a:fld>
             <a:endParaRPr lang="en-US"/>
           </a:p>
@@ -2921,7 +2925,7 @@
           <a:p>
             <a:fld id="{18BAD1EB-C21F-4DEF-9E24-AE9F2424B1D6}" type="datetimeFigureOut">
               <a:rPr lang="en-US" smtClean="0"/>
-              <a:t>6/15/2016</a:t>
+              <a:t>6/22/2016</a:t>
             </a:fld>
             <a:endParaRPr lang="en-US"/>
           </a:p>
@@ -3091,7 +3095,7 @@
           <a:p>
             <a:fld id="{18BAD1EB-C21F-4DEF-9E24-AE9F2424B1D6}" type="datetimeFigureOut">
               <a:rPr lang="en-US" smtClean="0"/>
-              <a:t>6/15/2016</a:t>
+              <a:t>6/22/2016</a:t>
             </a:fld>
             <a:endParaRPr lang="en-US"/>
           </a:p>
@@ -3271,7 +3275,7 @@
           <a:p>
             <a:fld id="{18BAD1EB-C21F-4DEF-9E24-AE9F2424B1D6}" type="datetimeFigureOut">
               <a:rPr lang="en-US" smtClean="0"/>
-              <a:t>6/15/2016</a:t>
+              <a:t>6/22/2016</a:t>
             </a:fld>
             <a:endParaRPr lang="en-US"/>
           </a:p>
@@ -3447,7 +3451,7 @@
           <a:p>
             <a:fld id="{18BAD1EB-C21F-4DEF-9E24-AE9F2424B1D6}" type="datetimeFigureOut">
               <a:rPr lang="en-US" smtClean="0"/>
-              <a:t>6/15/2016</a:t>
+              <a:t>6/22/2016</a:t>
             </a:fld>
             <a:endParaRPr lang="en-US"/>
           </a:p>
@@ -3694,7 +3698,7 @@
           <a:p>
             <a:fld id="{18BAD1EB-C21F-4DEF-9E24-AE9F2424B1D6}" type="datetimeFigureOut">
               <a:rPr lang="en-US" smtClean="0"/>
-              <a:t>6/15/2016</a:t>
+              <a:t>6/22/2016</a:t>
             </a:fld>
             <a:endParaRPr lang="en-US"/>
           </a:p>
@@ -3926,7 +3930,7 @@
           <a:p>
             <a:fld id="{18BAD1EB-C21F-4DEF-9E24-AE9F2424B1D6}" type="datetimeFigureOut">
               <a:rPr lang="en-US" smtClean="0"/>
-              <a:t>6/15/2016</a:t>
+              <a:t>6/22/2016</a:t>
             </a:fld>
             <a:endParaRPr lang="en-US"/>
           </a:p>
@@ -4300,7 +4304,7 @@
           <a:p>
             <a:fld id="{18BAD1EB-C21F-4DEF-9E24-AE9F2424B1D6}" type="datetimeFigureOut">
               <a:rPr lang="en-US" smtClean="0"/>
-              <a:t>6/15/2016</a:t>
+              <a:t>6/22/2016</a:t>
             </a:fld>
             <a:endParaRPr lang="en-US"/>
           </a:p>
@@ -4423,7 +4427,7 @@
           <a:p>
             <a:fld id="{18BAD1EB-C21F-4DEF-9E24-AE9F2424B1D6}" type="datetimeFigureOut">
               <a:rPr lang="en-US" smtClean="0"/>
-              <a:t>6/15/2016</a:t>
+              <a:t>6/22/2016</a:t>
             </a:fld>
             <a:endParaRPr lang="en-US"/>
           </a:p>
@@ -4518,7 +4522,7 @@
           <a:p>
             <a:fld id="{18BAD1EB-C21F-4DEF-9E24-AE9F2424B1D6}" type="datetimeFigureOut">
               <a:rPr lang="en-US" smtClean="0"/>
-              <a:t>6/15/2016</a:t>
+              <a:t>6/22/2016</a:t>
             </a:fld>
             <a:endParaRPr lang="en-US"/>
           </a:p>
@@ -4773,7 +4777,7 @@
           <a:p>
             <a:fld id="{18BAD1EB-C21F-4DEF-9E24-AE9F2424B1D6}" type="datetimeFigureOut">
               <a:rPr lang="en-US" smtClean="0"/>
-              <a:t>6/15/2016</a:t>
+              <a:t>6/22/2016</a:t>
             </a:fld>
             <a:endParaRPr lang="en-US"/>
           </a:p>
@@ -5036,7 +5040,7 @@
           <a:p>
             <a:fld id="{18BAD1EB-C21F-4DEF-9E24-AE9F2424B1D6}" type="datetimeFigureOut">
               <a:rPr lang="en-US" smtClean="0"/>
-              <a:t>6/15/2016</a:t>
+              <a:t>6/22/2016</a:t>
             </a:fld>
             <a:endParaRPr lang="en-US"/>
           </a:p>
@@ -5779,7 +5783,7 @@
           <a:p>
             <a:fld id="{18BAD1EB-C21F-4DEF-9E24-AE9F2424B1D6}" type="datetimeFigureOut">
               <a:rPr lang="en-US" smtClean="0"/>
-              <a:t>6/15/2016</a:t>
+              <a:t>6/22/2016</a:t>
             </a:fld>
             <a:endParaRPr lang="en-US"/>
           </a:p>
@@ -7024,6 +7028,175 @@
           <a:p>
             <a:r>
               <a:rPr lang="en-US" dirty="0" smtClean="0"/>
+              <a:t>PLINQ - Exception</a:t>
+            </a:r>
+            <a:endParaRPr lang="en-US" dirty="0"/>
+          </a:p>
+        </p:txBody>
+      </p:sp>
+      <p:sp>
+        <p:nvSpPr>
+          <p:cNvPr id="3" name="Content Placeholder 2"/>
+          <p:cNvSpPr>
+            <a:spLocks noGrp="1"/>
+          </p:cNvSpPr>
+          <p:nvPr>
+            <p:ph idx="1"/>
+          </p:nvPr>
+        </p:nvSpPr>
+        <p:spPr/>
+        <p:txBody>
+          <a:bodyPr/>
+          <a:lstStyle/>
+          <a:p>
+            <a:r>
+              <a:rPr lang="en-US" dirty="0" smtClean="0"/>
+              <a:t>Also </a:t>
+            </a:r>
+            <a:r>
+              <a:rPr lang="en-US" dirty="0" err="1" smtClean="0"/>
+              <a:t>AggregateException</a:t>
+            </a:r>
+            <a:endParaRPr lang="en-US" dirty="0" smtClean="0"/>
+          </a:p>
+          <a:p>
+            <a:r>
+              <a:rPr lang="en-US" dirty="0" smtClean="0"/>
+              <a:t>PLINQ is delay execution, Add try/catch where data is consumed.</a:t>
+            </a:r>
+          </a:p>
+          <a:p>
+            <a:r>
+              <a:rPr lang="en-US" dirty="0" smtClean="0"/>
+              <a:t>Demo</a:t>
+            </a:r>
+            <a:endParaRPr lang="en-US" dirty="0"/>
+          </a:p>
+        </p:txBody>
+      </p:sp>
+    </p:spTree>
+    <p:extLst>
+      <p:ext uri="{BB962C8B-B14F-4D97-AF65-F5344CB8AC3E}">
+        <p14:creationId xmlns:p14="http://schemas.microsoft.com/office/powerpoint/2010/main" val="81275048"/>
+      </p:ext>
+    </p:extLst>
+  </p:cSld>
+  <p:clrMapOvr>
+    <a:masterClrMapping/>
+  </p:clrMapOvr>
+</p:sld>
+</file>
+
+<file path=ppt/slides/slide14.xml><?xml version="1.0" encoding="utf-8"?>
+<p:sld xmlns:a="http://schemas.openxmlformats.org/drawingml/2006/main" xmlns:r="http://schemas.openxmlformats.org/officeDocument/2006/relationships" xmlns:p="http://schemas.openxmlformats.org/presentationml/2006/main">
+  <p:cSld>
+    <p:spTree>
+      <p:nvGrpSpPr>
+        <p:cNvPr id="1" name=""/>
+        <p:cNvGrpSpPr/>
+        <p:nvPr/>
+      </p:nvGrpSpPr>
+      <p:grpSpPr>
+        <a:xfrm>
+          <a:off x="0" y="0"/>
+          <a:ext cx="0" cy="0"/>
+          <a:chOff x="0" y="0"/>
+          <a:chExt cx="0" cy="0"/>
+        </a:xfrm>
+      </p:grpSpPr>
+      <p:sp>
+        <p:nvSpPr>
+          <p:cNvPr id="2" name="Title 1"/>
+          <p:cNvSpPr>
+            <a:spLocks noGrp="1"/>
+          </p:cNvSpPr>
+          <p:nvPr>
+            <p:ph type="title"/>
+          </p:nvPr>
+        </p:nvSpPr>
+        <p:spPr/>
+        <p:txBody>
+          <a:bodyPr/>
+          <a:lstStyle/>
+          <a:p>
+            <a:r>
+              <a:rPr lang="en-US" dirty="0" smtClean="0"/>
+              <a:t>PLINQ-MapReduce</a:t>
+            </a:r>
+            <a:endParaRPr lang="en-US" dirty="0"/>
+          </a:p>
+        </p:txBody>
+      </p:sp>
+      <p:sp>
+        <p:nvSpPr>
+          <p:cNvPr id="3" name="Content Placeholder 2"/>
+          <p:cNvSpPr>
+            <a:spLocks noGrp="1"/>
+          </p:cNvSpPr>
+          <p:nvPr>
+            <p:ph idx="1"/>
+          </p:nvPr>
+        </p:nvSpPr>
+        <p:spPr/>
+        <p:txBody>
+          <a:bodyPr/>
+          <a:lstStyle/>
+          <a:p>
+            <a:r>
+              <a:rPr lang="en-US" dirty="0" smtClean="0"/>
+              <a:t>Demo</a:t>
+            </a:r>
+            <a:endParaRPr lang="en-US" dirty="0"/>
+          </a:p>
+        </p:txBody>
+      </p:sp>
+    </p:spTree>
+    <p:extLst>
+      <p:ext uri="{BB962C8B-B14F-4D97-AF65-F5344CB8AC3E}">
+        <p14:creationId xmlns:p14="http://schemas.microsoft.com/office/powerpoint/2010/main" val="4003298009"/>
+      </p:ext>
+    </p:extLst>
+  </p:cSld>
+  <p:clrMapOvr>
+    <a:masterClrMapping/>
+  </p:clrMapOvr>
+</p:sld>
+</file>
+
+<file path=ppt/slides/slide15.xml><?xml version="1.0" encoding="utf-8"?>
+<p:sld xmlns:a="http://schemas.openxmlformats.org/drawingml/2006/main" xmlns:r="http://schemas.openxmlformats.org/officeDocument/2006/relationships" xmlns:p="http://schemas.openxmlformats.org/presentationml/2006/main">
+  <p:cSld>
+    <p:spTree>
+      <p:nvGrpSpPr>
+        <p:cNvPr id="1" name=""/>
+        <p:cNvGrpSpPr/>
+        <p:nvPr/>
+      </p:nvGrpSpPr>
+      <p:grpSpPr>
+        <a:xfrm>
+          <a:off x="0" y="0"/>
+          <a:ext cx="0" cy="0"/>
+          <a:chOff x="0" y="0"/>
+          <a:chExt cx="0" cy="0"/>
+        </a:xfrm>
+      </p:grpSpPr>
+      <p:sp>
+        <p:nvSpPr>
+          <p:cNvPr id="2" name="Title 1"/>
+          <p:cNvSpPr>
+            <a:spLocks noGrp="1"/>
+          </p:cNvSpPr>
+          <p:nvPr>
+            <p:ph type="title"/>
+          </p:nvPr>
+        </p:nvSpPr>
+        <p:spPr/>
+        <p:txBody>
+          <a:bodyPr/>
+          <a:lstStyle/>
+          <a:p>
+            <a:r>
+              <a:rPr lang="en-US" dirty="0" smtClean="0"/>
               <a:t>PLINQ - 3 : Optimize</a:t>
             </a:r>
             <a:endParaRPr lang="en-US" dirty="0"/>
@@ -7297,7 +7470,7 @@
 </p:sld>
 </file>
 
-<file path=ppt/slides/slide14.xml><?xml version="1.0" encoding="utf-8"?>
+<file path=ppt/slides/slide16.xml><?xml version="1.0" encoding="utf-8"?>
 <p:sld xmlns:a="http://schemas.openxmlformats.org/drawingml/2006/main" xmlns:r="http://schemas.openxmlformats.org/officeDocument/2006/relationships" xmlns:p="http://schemas.openxmlformats.org/presentationml/2006/main">
   <p:cSld>
     <p:spTree>
@@ -7401,7 +7574,7 @@
 </p:sld>
 </file>
 
-<file path=ppt/slides/slide15.xml><?xml version="1.0" encoding="utf-8"?>
+<file path=ppt/slides/slide17.xml><?xml version="1.0" encoding="utf-8"?>
 <p:sld xmlns:a="http://schemas.openxmlformats.org/drawingml/2006/main" xmlns:r="http://schemas.openxmlformats.org/officeDocument/2006/relationships" xmlns:p="http://schemas.openxmlformats.org/presentationml/2006/main">
   <p:cSld>
     <p:spTree>
@@ -8144,11 +8317,7 @@
           <a:p>
             <a:r>
               <a:rPr lang="en-US" dirty="0" smtClean="0"/>
-              <a:t>Create Task, </a:t>
-            </a:r>
-            <a:r>
-              <a:rPr lang="en-US" dirty="0" smtClean="0"/>
-              <a:t>Result</a:t>
+              <a:t>Create Task, Result</a:t>
             </a:r>
           </a:p>
           <a:p>
